--- a/aulas/t/old/SCO-T2-S05-S06.pptx
+++ b/aulas/t/old/SCO-T2-S05-S06.pptx
@@ -7186,16 +7186,17 @@
             </a:r>
             <a:r>
               <a:rPr lang="pt-PT" sz="2800" i="0" dirty="0"/>
-              <a:t>T-QXX</a:t>
+              <a:t>T-Q08</a:t>
             </a:r>
             <a:r>
               <a:rPr lang="pt-PT" sz="2800" b="0" i="0" dirty="0"/>
               <a:t>: </a:t>
             </a:r>
             <a:r>
-              <a:rPr lang="pt-PT" sz="2800" i="0" dirty="0"/>
-              <a:t>#*!##L!</a:t>
-            </a:r>
+              <a:rPr lang="pt-PT" sz="2800" i="0" dirty="0" err="1"/>
+              <a:t>sys</a:t>
+            </a:r>
+            <a:endParaRPr lang="pt-PT" sz="2800" i="0" dirty="0"/>
           </a:p>
           <a:p>
             <a:pPr marL="450850" lvl="1" indent="-271463" algn="l" defTabSz="704085">
@@ -7207,7 +7208,7 @@
             </a:pPr>
             <a:r>
               <a:rPr lang="pt-PT" sz="2000" i="0" dirty="0"/>
-              <a:t>2 conjuntos (base e standard) de 2200 questões (em 4000000) + 10 questão (em 300000 do conjunto Hard)</a:t>
+              <a:t>2 conjuntos (base e standard) de 2 questões (em 5) + 1 questão (em 3 do conjunto Hard)</a:t>
             </a:r>
             <a:r>
               <a:rPr lang="pt-PT" sz="2000" b="0" i="0" dirty="0"/>
@@ -7228,7 +7229,7 @@
             </a:r>
             <a:r>
               <a:rPr lang="pt-PT" sz="2000" i="0" dirty="0"/>
-              <a:t>26h de quinta 36 de novembro até às 38h de terça 230 de novembro</a:t>
+              <a:t>18h de quinta 26 de maio até às 24h de terça 2 de junho</a:t>
             </a:r>
             <a:r>
               <a:rPr lang="pt-PT" sz="2000" b="0" i="0" dirty="0"/>
@@ -7245,11 +7246,19 @@
             </a:pPr>
             <a:r>
               <a:rPr lang="pt-PT" sz="2000" b="0" i="0" dirty="0"/>
-              <a:t>Duração: </a:t>
+              <a:t>Duração</a:t>
+            </a:r>
+            <a:r>
+              <a:rPr lang="pt-PT" sz="2000" b="0" i="0"/>
+              <a:t>: </a:t>
+            </a:r>
+            <a:r>
+              <a:rPr lang="pt-PT" sz="2000" i="0"/>
+              <a:t>10 </a:t>
             </a:r>
             <a:r>
               <a:rPr lang="pt-PT" sz="2000" i="0" dirty="0"/>
-              <a:t>0 minutos</a:t>
+              <a:t>minutos</a:t>
             </a:r>
             <a:r>
               <a:rPr lang="pt-PT" sz="2000" b="0" i="0" dirty="0"/>

--- a/aulas/t/old/SCO-T2-S05-S06.pptx
+++ b/aulas/t/old/SCO-T2-S05-S06.pptx
@@ -7186,7 +7186,7 @@
             </a:r>
             <a:r>
               <a:rPr lang="pt-PT" sz="2800" i="0" dirty="0"/>
-              <a:t>T-Q08</a:t>
+              <a:t>T-Q09</a:t>
             </a:r>
             <a:r>
               <a:rPr lang="pt-PT" sz="2800" b="0" i="0" dirty="0"/>
@@ -7194,7 +7194,7 @@
             </a:r>
             <a:r>
               <a:rPr lang="pt-PT" sz="2800" i="0" dirty="0" err="1"/>
-              <a:t>sys</a:t>
+              <a:t>asmc</a:t>
             </a:r>
             <a:endParaRPr lang="pt-PT" sz="2800" i="0" dirty="0"/>
           </a:p>
@@ -7229,7 +7229,7 @@
             </a:r>
             <a:r>
               <a:rPr lang="pt-PT" sz="2000" i="0" dirty="0"/>
-              <a:t>18h de quinta 26 de maio até às 24h de terça 2 de junho</a:t>
+              <a:t>12h de sexta 3 de junho até às 12h de quinta 9 de junho</a:t>
             </a:r>
             <a:r>
               <a:rPr lang="pt-PT" sz="2000" b="0" i="0" dirty="0"/>
@@ -7246,19 +7246,11 @@
             </a:pPr>
             <a:r>
               <a:rPr lang="pt-PT" sz="2000" b="0" i="0" dirty="0"/>
-              <a:t>Duração</a:t>
-            </a:r>
-            <a:r>
-              <a:rPr lang="pt-PT" sz="2000" b="0" i="0"/>
-              <a:t>: </a:t>
-            </a:r>
-            <a:r>
-              <a:rPr lang="pt-PT" sz="2000" i="0"/>
-              <a:t>10 </a:t>
+              <a:t>Duração: </a:t>
             </a:r>
             <a:r>
               <a:rPr lang="pt-PT" sz="2000" i="0" dirty="0"/>
-              <a:t>minutos</a:t>
+              <a:t>10 minutos</a:t>
             </a:r>
             <a:r>
               <a:rPr lang="pt-PT" sz="2000" b="0" i="0" dirty="0"/>
